--- a/lab1/CS 341 Lab introduction.pptx
+++ b/lab1/CS 341 Lab introduction.pptx
@@ -7,12 +7,13 @@
   <p:sldIdLst>
     <p:sldId id="256" r:id="rId2"/>
     <p:sldId id="260" r:id="rId3"/>
-    <p:sldId id="258" r:id="rId4"/>
-    <p:sldId id="263" r:id="rId5"/>
-    <p:sldId id="262" r:id="rId6"/>
-    <p:sldId id="264" r:id="rId7"/>
-    <p:sldId id="257" r:id="rId8"/>
-    <p:sldId id="259" r:id="rId9"/>
+    <p:sldId id="265" r:id="rId4"/>
+    <p:sldId id="258" r:id="rId5"/>
+    <p:sldId id="263" r:id="rId6"/>
+    <p:sldId id="262" r:id="rId7"/>
+    <p:sldId id="264" r:id="rId8"/>
+    <p:sldId id="257" r:id="rId9"/>
+    <p:sldId id="259" r:id="rId10"/>
   </p:sldIdLst>
   <p:sldSz cx="12192000" cy="6858000"/>
   <p:notesSz cx="6858000" cy="9144000"/>
@@ -345,7 +346,7 @@
           <a:p>
             <a:fld id="{48A87A34-81AB-432B-8DAE-1953F412C126}" type="datetimeFigureOut">
               <a:rPr lang="en-US" smtClean="0"/>
-              <a:t>9/9/2020</a:t>
+              <a:t>9/13/2020</a:t>
             </a:fld>
             <a:endParaRPr lang="en-US" dirty="0"/>
           </a:p>
@@ -553,7 +554,7 @@
           <a:p>
             <a:fld id="{48A87A34-81AB-432B-8DAE-1953F412C126}" type="datetimeFigureOut">
               <a:rPr lang="en-US" smtClean="0"/>
-              <a:t>9/9/2020</a:t>
+              <a:t>9/13/2020</a:t>
             </a:fld>
             <a:endParaRPr lang="en-US" dirty="0"/>
           </a:p>
@@ -809,7 +810,7 @@
           <a:p>
             <a:fld id="{48A87A34-81AB-432B-8DAE-1953F412C126}" type="datetimeFigureOut">
               <a:rPr lang="en-US" smtClean="0"/>
-              <a:t>9/9/2020</a:t>
+              <a:t>9/13/2020</a:t>
             </a:fld>
             <a:endParaRPr lang="en-US" dirty="0"/>
           </a:p>
@@ -983,7 +984,7 @@
           <a:p>
             <a:fld id="{48A87A34-81AB-432B-8DAE-1953F412C126}" type="datetimeFigureOut">
               <a:rPr lang="en-US" smtClean="0"/>
-              <a:t>9/9/2020</a:t>
+              <a:t>9/13/2020</a:t>
             </a:fld>
             <a:endParaRPr lang="en-US" dirty="0"/>
           </a:p>
@@ -1326,7 +1327,7 @@
           <a:p>
             <a:fld id="{48A87A34-81AB-432B-8DAE-1953F412C126}" type="datetimeFigureOut">
               <a:rPr lang="en-US" smtClean="0"/>
-              <a:t>9/9/2020</a:t>
+              <a:t>9/13/2020</a:t>
             </a:fld>
             <a:endParaRPr lang="en-US" dirty="0"/>
           </a:p>
@@ -1601,7 +1602,7 @@
           <a:p>
             <a:fld id="{48A87A34-81AB-432B-8DAE-1953F412C126}" type="datetimeFigureOut">
               <a:rPr lang="en-US" smtClean="0"/>
-              <a:t>9/9/2020</a:t>
+              <a:t>9/13/2020</a:t>
             </a:fld>
             <a:endParaRPr lang="en-US" dirty="0"/>
           </a:p>
@@ -1980,7 +1981,7 @@
           <a:p>
             <a:fld id="{48A87A34-81AB-432B-8DAE-1953F412C126}" type="datetimeFigureOut">
               <a:rPr lang="en-US" smtClean="0"/>
-              <a:t>9/9/2020</a:t>
+              <a:t>9/13/2020</a:t>
             </a:fld>
             <a:endParaRPr lang="en-US" dirty="0"/>
           </a:p>
@@ -2098,7 +2099,7 @@
           <a:p>
             <a:fld id="{48A87A34-81AB-432B-8DAE-1953F412C126}" type="datetimeFigureOut">
               <a:rPr lang="en-US" smtClean="0"/>
-              <a:t>9/9/2020</a:t>
+              <a:t>9/13/2020</a:t>
             </a:fld>
             <a:endParaRPr lang="en-US" dirty="0"/>
           </a:p>
@@ -2269,7 +2270,7 @@
           <a:p>
             <a:fld id="{48A87A34-81AB-432B-8DAE-1953F412C126}" type="datetimeFigureOut">
               <a:rPr lang="en-US" smtClean="0"/>
-              <a:t>9/9/2020</a:t>
+              <a:t>9/13/2020</a:t>
             </a:fld>
             <a:endParaRPr lang="en-US" dirty="0"/>
           </a:p>
@@ -2623,7 +2624,7 @@
           <a:p>
             <a:fld id="{48A87A34-81AB-432B-8DAE-1953F412C126}" type="datetimeFigureOut">
               <a:rPr lang="en-US" smtClean="0"/>
-              <a:t>9/9/2020</a:t>
+              <a:t>9/13/2020</a:t>
             </a:fld>
             <a:endParaRPr lang="en-US" dirty="0"/>
           </a:p>
@@ -3005,7 +3006,7 @@
           <a:p>
             <a:fld id="{48A87A34-81AB-432B-8DAE-1953F412C126}" type="datetimeFigureOut">
               <a:rPr lang="en-US" smtClean="0"/>
-              <a:t>9/9/2020</a:t>
+              <a:t>9/13/2020</a:t>
             </a:fld>
             <a:endParaRPr lang="en-US" dirty="0"/>
           </a:p>
@@ -3293,7 +3294,7 @@
             <a:fld id="{48A87A34-81AB-432B-8DAE-1953F412C126}" type="datetimeFigureOut">
               <a:rPr lang="en-US" smtClean="0"/>
               <a:pPr/>
-              <a:t>9/9/2020</a:t>
+              <a:t>9/13/2020</a:t>
             </a:fld>
             <a:endParaRPr lang="en-US" dirty="0"/>
           </a:p>
@@ -3928,7 +3929,7 @@
           <a:p>
             <a:r>
               <a:rPr lang="en-US" dirty="0"/>
-              <a:t>Weekly Meetings</a:t>
+              <a:t>Contact Info</a:t>
             </a:r>
           </a:p>
         </p:txBody>
@@ -3965,15 +3966,18 @@
             </a:pPr>
             <a:r>
               <a:rPr lang="en-US" dirty="0"/>
-              <a:t> Starter code is available on GitHub: </a:t>
+              <a:t> Email me for grades or if you would like to setup a 1:1 meeting (</a:t>
             </a:r>
             <a:r>
               <a:rPr lang="en-US" dirty="0">
                 <a:hlinkClick r:id="rId2"/>
               </a:rPr>
-              <a:t>https://github.com/jack17davis/cs341</a:t>
-            </a:r>
-            <a:endParaRPr lang="en-US" dirty="0"/>
+              <a:t>jack.davis001@umb.edu</a:t>
+            </a:r>
+            <a:r>
+              <a:rPr lang="en-US" dirty="0"/>
+              <a:t>)</a:t>
+            </a:r>
           </a:p>
           <a:p>
             <a:pPr>
@@ -3982,87 +3986,15 @@
             </a:pPr>
             <a:r>
               <a:rPr lang="en-US" dirty="0"/>
-              <a:t> Step-by-step instructions will be posted on </a:t>
-            </a:r>
-            <a:r>
-              <a:rPr lang="en-US" dirty="0">
-                <a:hlinkClick r:id="rId3"/>
-              </a:rPr>
-              <a:t>https://www.cs.umb.edu/~cheungr/cs341/</a:t>
+              <a:t> </a:t>
+            </a:r>
+            <a:r>
+              <a:rPr lang="en-US" b="1" dirty="0"/>
+              <a:t>Office Hours: </a:t>
             </a:r>
             <a:r>
               <a:rPr lang="en-US" dirty="0"/>
-              <a:t>  </a:t>
-            </a:r>
-          </a:p>
-          <a:p>
-            <a:pPr>
-              <a:buFont typeface="Wingdings" panose="05000000000000000000" pitchFamily="2" charset="2"/>
-              <a:buChar char="§"/>
-            </a:pPr>
-            <a:r>
-              <a:rPr lang="en-US" dirty="0"/>
-              <a:t> Lab introduction</a:t>
-            </a:r>
-          </a:p>
-          <a:p>
-            <a:pPr>
-              <a:buFont typeface="Wingdings" panose="05000000000000000000" pitchFamily="2" charset="2"/>
-              <a:buChar char="§"/>
-            </a:pPr>
-            <a:r>
-              <a:rPr lang="en-US" dirty="0"/>
-              <a:t> Working lab demonstration</a:t>
-            </a:r>
-          </a:p>
-          <a:p>
-            <a:pPr>
-              <a:buFont typeface="Wingdings" panose="05000000000000000000" pitchFamily="2" charset="2"/>
-              <a:buChar char="§"/>
-            </a:pPr>
-            <a:r>
-              <a:rPr lang="en-US" dirty="0"/>
-              <a:t> Q&amp;A</a:t>
-            </a:r>
-          </a:p>
-          <a:p>
-            <a:pPr>
-              <a:buFont typeface="Wingdings" panose="05000000000000000000" pitchFamily="2" charset="2"/>
-              <a:buChar char="§"/>
-            </a:pPr>
-            <a:r>
-              <a:rPr lang="en-US" dirty="0"/>
-              <a:t> Breakout rooms for real-time labs</a:t>
-            </a:r>
-          </a:p>
-          <a:p>
-            <a:pPr lvl="1">
-              <a:buFont typeface="Wingdings" panose="05000000000000000000" pitchFamily="2" charset="2"/>
-              <a:buChar char="§"/>
-            </a:pPr>
-            <a:r>
-              <a:rPr lang="en-US" dirty="0"/>
-              <a:t>Use the “help” button to get my attention</a:t>
-            </a:r>
-          </a:p>
-          <a:p>
-            <a:pPr lvl="1">
-              <a:buFont typeface="Wingdings" panose="05000000000000000000" pitchFamily="2" charset="2"/>
-              <a:buChar char="§"/>
-            </a:pPr>
-            <a:r>
-              <a:rPr lang="en-US" dirty="0"/>
-              <a:t>You are welcome to take longer or leave early</a:t>
-            </a:r>
-          </a:p>
-          <a:p>
-            <a:pPr>
-              <a:buFont typeface="Wingdings" panose="05000000000000000000" pitchFamily="2" charset="2"/>
-              <a:buChar char="§"/>
-            </a:pPr>
-            <a:r>
-              <a:rPr lang="en-US" dirty="0"/>
-              <a:t> Lab report is due by the start of the next lab (typically a week)</a:t>
+              <a:t>by appointment only (send an email and we can setup a zoom meeting)</a:t>
             </a:r>
           </a:p>
         </p:txBody>
@@ -4081,6 +4013,198 @@
 </file>
 
 <file path=ppt/slides/slide3.xml><?xml version="1.0" encoding="utf-8"?>
+<p:sld xmlns:a="http://schemas.openxmlformats.org/drawingml/2006/main" xmlns:r="http://schemas.openxmlformats.org/officeDocument/2006/relationships" xmlns:p="http://schemas.openxmlformats.org/presentationml/2006/main">
+  <p:cSld>
+    <p:spTree>
+      <p:nvGrpSpPr>
+        <p:cNvPr id="1" name=""/>
+        <p:cNvGrpSpPr/>
+        <p:nvPr/>
+      </p:nvGrpSpPr>
+      <p:grpSpPr>
+        <a:xfrm>
+          <a:off x="0" y="0"/>
+          <a:ext cx="0" cy="0"/>
+          <a:chOff x="0" y="0"/>
+          <a:chExt cx="0" cy="0"/>
+        </a:xfrm>
+      </p:grpSpPr>
+      <p:sp>
+        <p:nvSpPr>
+          <p:cNvPr id="2" name="Title 1">
+            <a:extLst>
+              <a:ext uri="{FF2B5EF4-FFF2-40B4-BE49-F238E27FC236}">
+                <a16:creationId xmlns:a16="http://schemas.microsoft.com/office/drawing/2014/main" id="{A1966945-46F7-4819-9BAA-10DC70F3D7BE}"/>
+              </a:ext>
+            </a:extLst>
+          </p:cNvPr>
+          <p:cNvSpPr>
+            <a:spLocks noGrp="1"/>
+          </p:cNvSpPr>
+          <p:nvPr>
+            <p:ph type="title"/>
+          </p:nvPr>
+        </p:nvSpPr>
+        <p:spPr/>
+        <p:txBody>
+          <a:bodyPr/>
+          <a:lstStyle/>
+          <a:p>
+            <a:r>
+              <a:rPr lang="en-US" dirty="0"/>
+              <a:t>Weekly Meetings</a:t>
+            </a:r>
+          </a:p>
+        </p:txBody>
+      </p:sp>
+      <p:sp>
+        <p:nvSpPr>
+          <p:cNvPr id="3" name="Content Placeholder 2">
+            <a:extLst>
+              <a:ext uri="{FF2B5EF4-FFF2-40B4-BE49-F238E27FC236}">
+                <a16:creationId xmlns:a16="http://schemas.microsoft.com/office/drawing/2014/main" id="{1A29CAEF-11FA-41AA-9D72-16A9967E06F5}"/>
+              </a:ext>
+            </a:extLst>
+          </p:cNvPr>
+          <p:cNvSpPr>
+            <a:spLocks noGrp="1"/>
+          </p:cNvSpPr>
+          <p:nvPr>
+            <p:ph idx="1"/>
+          </p:nvPr>
+        </p:nvSpPr>
+        <p:spPr>
+          <a:xfrm>
+            <a:off x="1097280" y="1818302"/>
+            <a:ext cx="10058400" cy="4023360"/>
+          </a:xfrm>
+        </p:spPr>
+        <p:txBody>
+          <a:bodyPr/>
+          <a:lstStyle/>
+          <a:p>
+            <a:pPr>
+              <a:buFont typeface="Wingdings" panose="05000000000000000000" pitchFamily="2" charset="2"/>
+              <a:buChar char="§"/>
+            </a:pPr>
+            <a:r>
+              <a:rPr lang="en-US" dirty="0"/>
+              <a:t> Starter code is available on GitHub: </a:t>
+            </a:r>
+            <a:r>
+              <a:rPr lang="en-US" dirty="0">
+                <a:hlinkClick r:id="rId2"/>
+              </a:rPr>
+              <a:t>https://github.com/jack17davis/cs341</a:t>
+            </a:r>
+            <a:endParaRPr lang="en-US" dirty="0"/>
+          </a:p>
+          <a:p>
+            <a:pPr>
+              <a:buFont typeface="Wingdings" panose="05000000000000000000" pitchFamily="2" charset="2"/>
+              <a:buChar char="§"/>
+            </a:pPr>
+            <a:r>
+              <a:rPr lang="en-US" dirty="0"/>
+              <a:t> Step-by-step instructions will be posted on </a:t>
+            </a:r>
+            <a:r>
+              <a:rPr lang="en-US" dirty="0">
+                <a:hlinkClick r:id="rId3"/>
+              </a:rPr>
+              <a:t>https://www.cs.umb.edu/~cheungr/cs341/</a:t>
+            </a:r>
+            <a:r>
+              <a:rPr lang="en-US" dirty="0"/>
+              <a:t>  </a:t>
+            </a:r>
+          </a:p>
+          <a:p>
+            <a:pPr>
+              <a:buFont typeface="Wingdings" panose="05000000000000000000" pitchFamily="2" charset="2"/>
+              <a:buChar char="§"/>
+            </a:pPr>
+            <a:r>
+              <a:rPr lang="en-US" dirty="0"/>
+              <a:t> Lab introduction</a:t>
+            </a:r>
+          </a:p>
+          <a:p>
+            <a:pPr>
+              <a:buFont typeface="Wingdings" panose="05000000000000000000" pitchFamily="2" charset="2"/>
+              <a:buChar char="§"/>
+            </a:pPr>
+            <a:r>
+              <a:rPr lang="en-US" dirty="0"/>
+              <a:t> Working lab demonstration</a:t>
+            </a:r>
+          </a:p>
+          <a:p>
+            <a:pPr>
+              <a:buFont typeface="Wingdings" panose="05000000000000000000" pitchFamily="2" charset="2"/>
+              <a:buChar char="§"/>
+            </a:pPr>
+            <a:r>
+              <a:rPr lang="en-US" dirty="0"/>
+              <a:t> Q&amp;A</a:t>
+            </a:r>
+          </a:p>
+          <a:p>
+            <a:pPr>
+              <a:buFont typeface="Wingdings" panose="05000000000000000000" pitchFamily="2" charset="2"/>
+              <a:buChar char="§"/>
+            </a:pPr>
+            <a:r>
+              <a:rPr lang="en-US" dirty="0"/>
+              <a:t> Breakout rooms for real-time labs</a:t>
+            </a:r>
+          </a:p>
+          <a:p>
+            <a:pPr lvl="1">
+              <a:buFont typeface="Wingdings" panose="05000000000000000000" pitchFamily="2" charset="2"/>
+              <a:buChar char="§"/>
+            </a:pPr>
+            <a:r>
+              <a:rPr lang="en-US" dirty="0"/>
+              <a:t>Use the “help” button to get my attention</a:t>
+            </a:r>
+          </a:p>
+          <a:p>
+            <a:pPr lvl="1">
+              <a:buFont typeface="Wingdings" panose="05000000000000000000" pitchFamily="2" charset="2"/>
+              <a:buChar char="§"/>
+            </a:pPr>
+            <a:r>
+              <a:rPr lang="en-US" dirty="0"/>
+              <a:t>You are welcome to take longer or leave early</a:t>
+            </a:r>
+          </a:p>
+          <a:p>
+            <a:pPr>
+              <a:buFont typeface="Wingdings" panose="05000000000000000000" pitchFamily="2" charset="2"/>
+              <a:buChar char="§"/>
+            </a:pPr>
+            <a:r>
+              <a:rPr lang="en-US" dirty="0"/>
+              <a:t> Lab report is due by the start of the next lab (typically a week)</a:t>
+            </a:r>
+          </a:p>
+        </p:txBody>
+      </p:sp>
+    </p:spTree>
+    <p:extLst>
+      <p:ext uri="{BB962C8B-B14F-4D97-AF65-F5344CB8AC3E}">
+        <p14:creationId xmlns:p14="http://schemas.microsoft.com/office/powerpoint/2010/main" val="1769291969"/>
+      </p:ext>
+    </p:extLst>
+  </p:cSld>
+  <p:clrMapOvr>
+    <a:masterClrMapping/>
+  </p:clrMapOvr>
+</p:sld>
+</file>
+
+<file path=ppt/slides/slide4.xml><?xml version="1.0" encoding="utf-8"?>
 <p:sld xmlns:a="http://schemas.openxmlformats.org/drawingml/2006/main" xmlns:r="http://schemas.openxmlformats.org/officeDocument/2006/relationships" xmlns:p="http://schemas.openxmlformats.org/presentationml/2006/main">
   <p:cSld>
     <p:bg>
@@ -4669,7 +4793,7 @@
 </p:sld>
 </file>
 
-<file path=ppt/slides/slide4.xml><?xml version="1.0" encoding="utf-8"?>
+<file path=ppt/slides/slide5.xml><?xml version="1.0" encoding="utf-8"?>
 <p:sld xmlns:a="http://schemas.openxmlformats.org/drawingml/2006/main" xmlns:r="http://schemas.openxmlformats.org/officeDocument/2006/relationships" xmlns:p="http://schemas.openxmlformats.org/presentationml/2006/main">
   <p:cSld>
     <p:bg>
@@ -4789,7 +4913,7 @@
 </p:sld>
 </file>
 
-<file path=ppt/slides/slide5.xml><?xml version="1.0" encoding="utf-8"?>
+<file path=ppt/slides/slide6.xml><?xml version="1.0" encoding="utf-8"?>
 <p:sld xmlns:a="http://schemas.openxmlformats.org/drawingml/2006/main" xmlns:r="http://schemas.openxmlformats.org/officeDocument/2006/relationships" xmlns:p="http://schemas.openxmlformats.org/presentationml/2006/main">
   <p:cSld>
     <p:spTree>
@@ -4988,7 +5112,7 @@
 </p:sld>
 </file>
 
-<file path=ppt/slides/slide6.xml><?xml version="1.0" encoding="utf-8"?>
+<file path=ppt/slides/slide7.xml><?xml version="1.0" encoding="utf-8"?>
 <p:sld xmlns:a="http://schemas.openxmlformats.org/drawingml/2006/main" xmlns:r="http://schemas.openxmlformats.org/officeDocument/2006/relationships" xmlns:p="http://schemas.openxmlformats.org/presentationml/2006/main">
   <p:cSld>
     <p:bg>
@@ -5480,173 +5604,6 @@
     <p:extLst>
       <p:ext uri="{BB962C8B-B14F-4D97-AF65-F5344CB8AC3E}">
         <p14:creationId xmlns:p14="http://schemas.microsoft.com/office/powerpoint/2010/main" val="1247146300"/>
-      </p:ext>
-    </p:extLst>
-  </p:cSld>
-  <p:clrMapOvr>
-    <a:masterClrMapping/>
-  </p:clrMapOvr>
-</p:sld>
-</file>
-
-<file path=ppt/slides/slide7.xml><?xml version="1.0" encoding="utf-8"?>
-<p:sld xmlns:a="http://schemas.openxmlformats.org/drawingml/2006/main" xmlns:r="http://schemas.openxmlformats.org/officeDocument/2006/relationships" xmlns:p="http://schemas.openxmlformats.org/presentationml/2006/main">
-  <p:cSld>
-    <p:spTree>
-      <p:nvGrpSpPr>
-        <p:cNvPr id="1" name=""/>
-        <p:cNvGrpSpPr/>
-        <p:nvPr/>
-      </p:nvGrpSpPr>
-      <p:grpSpPr>
-        <a:xfrm>
-          <a:off x="0" y="0"/>
-          <a:ext cx="0" cy="0"/>
-          <a:chOff x="0" y="0"/>
-          <a:chExt cx="0" cy="0"/>
-        </a:xfrm>
-      </p:grpSpPr>
-      <p:sp>
-        <p:nvSpPr>
-          <p:cNvPr id="2" name="Title 1">
-            <a:extLst>
-              <a:ext uri="{FF2B5EF4-FFF2-40B4-BE49-F238E27FC236}">
-                <a16:creationId xmlns:a16="http://schemas.microsoft.com/office/drawing/2014/main" id="{A1966945-46F7-4819-9BAA-10DC70F3D7BE}"/>
-              </a:ext>
-            </a:extLst>
-          </p:cNvPr>
-          <p:cNvSpPr>
-            <a:spLocks noGrp="1"/>
-          </p:cNvSpPr>
-          <p:nvPr>
-            <p:ph type="title"/>
-          </p:nvPr>
-        </p:nvSpPr>
-        <p:spPr/>
-        <p:txBody>
-          <a:bodyPr/>
-          <a:lstStyle/>
-          <a:p>
-            <a:r>
-              <a:rPr lang="en-US" dirty="0"/>
-              <a:t>Policies</a:t>
-            </a:r>
-          </a:p>
-        </p:txBody>
-      </p:sp>
-      <p:sp>
-        <p:nvSpPr>
-          <p:cNvPr id="3" name="Content Placeholder 2">
-            <a:extLst>
-              <a:ext uri="{FF2B5EF4-FFF2-40B4-BE49-F238E27FC236}">
-                <a16:creationId xmlns:a16="http://schemas.microsoft.com/office/drawing/2014/main" id="{1A29CAEF-11FA-41AA-9D72-16A9967E06F5}"/>
-              </a:ext>
-            </a:extLst>
-          </p:cNvPr>
-          <p:cNvSpPr>
-            <a:spLocks noGrp="1"/>
-          </p:cNvSpPr>
-          <p:nvPr>
-            <p:ph idx="1"/>
-          </p:nvPr>
-        </p:nvSpPr>
-        <p:spPr/>
-        <p:txBody>
-          <a:bodyPr/>
-          <a:lstStyle/>
-          <a:p>
-            <a:pPr>
-              <a:buFont typeface="Wingdings" panose="05000000000000000000" pitchFamily="2" charset="2"/>
-              <a:buChar char="§"/>
-            </a:pPr>
-            <a:r>
-              <a:rPr lang="en-US" dirty="0"/>
-              <a:t> Work in groups of 1 or 2</a:t>
-            </a:r>
-          </a:p>
-          <a:p>
-            <a:pPr>
-              <a:buFont typeface="Wingdings" panose="05000000000000000000" pitchFamily="2" charset="2"/>
-              <a:buChar char="§"/>
-            </a:pPr>
-            <a:r>
-              <a:rPr lang="en-US" dirty="0"/>
-              <a:t> Post lab questions on Piazza with lab tag (privately if you need to share code) </a:t>
-            </a:r>
-          </a:p>
-          <a:p>
-            <a:pPr>
-              <a:buFont typeface="Wingdings" panose="05000000000000000000" pitchFamily="2" charset="2"/>
-              <a:buChar char="§"/>
-            </a:pPr>
-            <a:r>
-              <a:rPr lang="en-US" dirty="0"/>
-              <a:t> Email me for grades or if you would like to setup a 1:1 meeting (</a:t>
-            </a:r>
-            <a:r>
-              <a:rPr lang="en-US" dirty="0">
-                <a:hlinkClick r:id="rId2"/>
-              </a:rPr>
-              <a:t>jack.davis001@umb.edu</a:t>
-            </a:r>
-            <a:r>
-              <a:rPr lang="en-US" dirty="0"/>
-              <a:t>)</a:t>
-            </a:r>
-          </a:p>
-          <a:p>
-            <a:pPr>
-              <a:buFont typeface="Wingdings" panose="05000000000000000000" pitchFamily="2" charset="2"/>
-              <a:buChar char="§"/>
-            </a:pPr>
-            <a:r>
-              <a:rPr lang="en-US" dirty="0"/>
-              <a:t> </a:t>
-            </a:r>
-            <a:r>
-              <a:rPr lang="en-US" b="1" dirty="0"/>
-              <a:t>Office Hours: </a:t>
-            </a:r>
-            <a:r>
-              <a:rPr lang="en-US" dirty="0"/>
-              <a:t>by appointment only </a:t>
-            </a:r>
-            <a:endParaRPr lang="en-US" b="1" dirty="0"/>
-          </a:p>
-          <a:p>
-            <a:pPr>
-              <a:buFont typeface="Wingdings" panose="05000000000000000000" pitchFamily="2" charset="2"/>
-              <a:buChar char="§"/>
-            </a:pPr>
-            <a:r>
-              <a:rPr lang="en-US" dirty="0"/>
-              <a:t> 1 makeup lab is allowed for the semester (due by 11:59PM on December 11</a:t>
-            </a:r>
-            <a:r>
-              <a:rPr lang="en-US" baseline="30000" dirty="0"/>
-              <a:t>th</a:t>
-            </a:r>
-            <a:r>
-              <a:rPr lang="en-US" dirty="0"/>
-              <a:t>)</a:t>
-            </a:r>
-          </a:p>
-          <a:p>
-            <a:pPr>
-              <a:buFont typeface="Wingdings" panose="05000000000000000000" pitchFamily="2" charset="2"/>
-              <a:buChar char="§"/>
-            </a:pPr>
-            <a:r>
-              <a:rPr lang="en-US" dirty="0"/>
-              <a:t> You may attend a different lab section if you need to</a:t>
-            </a:r>
-          </a:p>
-        </p:txBody>
-      </p:sp>
-    </p:spTree>
-    <p:extLst>
-      <p:ext uri="{BB962C8B-B14F-4D97-AF65-F5344CB8AC3E}">
-        <p14:creationId xmlns:p14="http://schemas.microsoft.com/office/powerpoint/2010/main" val="1605370376"/>
       </p:ext>
     </p:extLst>
   </p:cSld>
@@ -5696,7 +5653,7 @@
           <a:p>
             <a:r>
               <a:rPr lang="en-US" dirty="0"/>
-              <a:t>Lab 1 – Setting up UnoArduSim</a:t>
+              <a:t>Policies</a:t>
             </a:r>
           </a:p>
         </p:txBody>
@@ -5722,10 +5679,164 @@
           <a:bodyPr/>
           <a:lstStyle/>
           <a:p>
+            <a:pPr>
+              <a:buFont typeface="Wingdings" panose="05000000000000000000" pitchFamily="2" charset="2"/>
+              <a:buChar char="§"/>
+            </a:pPr>
             <a:r>
               <a:rPr lang="en-US" dirty="0"/>
-              <a:t>  </a:t>
-            </a:r>
+              <a:t> Work in groups of 1 or 2</a:t>
+            </a:r>
+          </a:p>
+          <a:p>
+            <a:pPr>
+              <a:buFont typeface="Wingdings" panose="05000000000000000000" pitchFamily="2" charset="2"/>
+              <a:buChar char="§"/>
+            </a:pPr>
+            <a:r>
+              <a:rPr lang="en-US" dirty="0"/>
+              <a:t> Post lab questions on Piazza with lab tag (privately if you need to share code) </a:t>
+            </a:r>
+            <a:endParaRPr lang="en-US" b="1" dirty="0"/>
+          </a:p>
+          <a:p>
+            <a:pPr>
+              <a:buFont typeface="Wingdings" panose="05000000000000000000" pitchFamily="2" charset="2"/>
+              <a:buChar char="§"/>
+            </a:pPr>
+            <a:r>
+              <a:rPr lang="en-US" dirty="0"/>
+              <a:t> makeup labs are allowed (due by 11:59PM on December 11</a:t>
+            </a:r>
+            <a:r>
+              <a:rPr lang="en-US" baseline="30000" dirty="0"/>
+              <a:t>th</a:t>
+            </a:r>
+            <a:r>
+              <a:rPr lang="en-US" dirty="0"/>
+              <a:t>)</a:t>
+            </a:r>
+          </a:p>
+          <a:p>
+            <a:pPr>
+              <a:buFont typeface="Wingdings" panose="05000000000000000000" pitchFamily="2" charset="2"/>
+              <a:buChar char="§"/>
+            </a:pPr>
+            <a:r>
+              <a:rPr lang="en-US" dirty="0"/>
+              <a:t> You may attend a different lab section if you need to</a:t>
+            </a:r>
+          </a:p>
+        </p:txBody>
+      </p:sp>
+    </p:spTree>
+    <p:extLst>
+      <p:ext uri="{BB962C8B-B14F-4D97-AF65-F5344CB8AC3E}">
+        <p14:creationId xmlns:p14="http://schemas.microsoft.com/office/powerpoint/2010/main" val="1605370376"/>
+      </p:ext>
+    </p:extLst>
+  </p:cSld>
+  <p:clrMapOvr>
+    <a:masterClrMapping/>
+  </p:clrMapOvr>
+</p:sld>
+</file>
+
+<file path=ppt/slides/slide9.xml><?xml version="1.0" encoding="utf-8"?>
+<p:sld xmlns:a="http://schemas.openxmlformats.org/drawingml/2006/main" xmlns:r="http://schemas.openxmlformats.org/officeDocument/2006/relationships" xmlns:p="http://schemas.openxmlformats.org/presentationml/2006/main">
+  <p:cSld>
+    <p:spTree>
+      <p:nvGrpSpPr>
+        <p:cNvPr id="1" name=""/>
+        <p:cNvGrpSpPr/>
+        <p:nvPr/>
+      </p:nvGrpSpPr>
+      <p:grpSpPr>
+        <a:xfrm>
+          <a:off x="0" y="0"/>
+          <a:ext cx="0" cy="0"/>
+          <a:chOff x="0" y="0"/>
+          <a:chExt cx="0" cy="0"/>
+        </a:xfrm>
+      </p:grpSpPr>
+      <p:sp>
+        <p:nvSpPr>
+          <p:cNvPr id="2" name="Title 1">
+            <a:extLst>
+              <a:ext uri="{FF2B5EF4-FFF2-40B4-BE49-F238E27FC236}">
+                <a16:creationId xmlns:a16="http://schemas.microsoft.com/office/drawing/2014/main" id="{A1966945-46F7-4819-9BAA-10DC70F3D7BE}"/>
+              </a:ext>
+            </a:extLst>
+          </p:cNvPr>
+          <p:cNvSpPr>
+            <a:spLocks noGrp="1"/>
+          </p:cNvSpPr>
+          <p:nvPr>
+            <p:ph type="title"/>
+          </p:nvPr>
+        </p:nvSpPr>
+        <p:spPr/>
+        <p:txBody>
+          <a:bodyPr/>
+          <a:lstStyle/>
+          <a:p>
+            <a:r>
+              <a:rPr lang="en-US" dirty="0"/>
+              <a:t>Lab 1 – Setting up UnoArduSim</a:t>
+            </a:r>
+          </a:p>
+        </p:txBody>
+      </p:sp>
+      <p:sp>
+        <p:nvSpPr>
+          <p:cNvPr id="3" name="Content Placeholder 2">
+            <a:extLst>
+              <a:ext uri="{FF2B5EF4-FFF2-40B4-BE49-F238E27FC236}">
+                <a16:creationId xmlns:a16="http://schemas.microsoft.com/office/drawing/2014/main" id="{1A29CAEF-11FA-41AA-9D72-16A9967E06F5}"/>
+              </a:ext>
+            </a:extLst>
+          </p:cNvPr>
+          <p:cNvSpPr>
+            <a:spLocks noGrp="1"/>
+          </p:cNvSpPr>
+          <p:nvPr>
+            <p:ph idx="1"/>
+          </p:nvPr>
+        </p:nvSpPr>
+        <p:spPr/>
+        <p:txBody>
+          <a:bodyPr/>
+          <a:lstStyle/>
+          <a:p>
+            <a:pPr>
+              <a:buFont typeface="Wingdings" panose="05000000000000000000" pitchFamily="2" charset="2"/>
+              <a:buChar char="§"/>
+            </a:pPr>
+            <a:r>
+              <a:rPr lang="en-US" dirty="0"/>
+              <a:t> users of Mac/Linux will need to set up a windows VM to use UnoArduSim</a:t>
+            </a:r>
+          </a:p>
+          <a:p>
+            <a:pPr>
+              <a:buFont typeface="Wingdings" panose="05000000000000000000" pitchFamily="2" charset="2"/>
+              <a:buChar char="§"/>
+            </a:pPr>
+            <a:r>
+              <a:rPr lang="en-US" dirty="0"/>
+              <a:t> users of Windows 10 can use natively without issue</a:t>
+            </a:r>
+          </a:p>
+          <a:p>
+            <a:pPr>
+              <a:buFont typeface="Wingdings" panose="05000000000000000000" pitchFamily="2" charset="2"/>
+              <a:buChar char="§"/>
+            </a:pPr>
+            <a:r>
+              <a:rPr lang="en-US"/>
+              <a:t> </a:t>
+            </a:r>
+            <a:endParaRPr lang="en-US" dirty="0"/>
           </a:p>
         </p:txBody>
       </p:sp>

--- a/lab1/CS 341 Lab introduction.pptx
+++ b/lab1/CS 341 Lab introduction.pptx
@@ -5818,6 +5818,16 @@
             </a:r>
           </a:p>
           <a:p>
+            <a:pPr lvl="1">
+              <a:buFont typeface="Wingdings" panose="05000000000000000000" pitchFamily="2" charset="2"/>
+              <a:buChar char="§"/>
+            </a:pPr>
+            <a:r>
+              <a:rPr lang="en-US" dirty="0"/>
+              <a:t>Instructions provided in lab 1 instructions</a:t>
+            </a:r>
+          </a:p>
+          <a:p>
             <a:pPr>
               <a:buFont typeface="Wingdings" panose="05000000000000000000" pitchFamily="2" charset="2"/>
               <a:buChar char="§"/>
@@ -5833,10 +5843,9 @@
               <a:buChar char="§"/>
             </a:pPr>
             <a:r>
-              <a:rPr lang="en-US"/>
+              <a:rPr lang="en-US" dirty="0"/>
               <a:t> </a:t>
             </a:r>
-            <a:endParaRPr lang="en-US" dirty="0"/>
           </a:p>
         </p:txBody>
       </p:sp>
